--- a/项目文档/设计/Design.pptx
+++ b/项目文档/设计/Design.pptx
@@ -6,6 +6,7 @@
   </p:sldMasterIdLst>
   <p:sldIdLst>
     <p:sldId id="256" r:id="rId2"/>
+    <p:sldId id="257" r:id="rId3"/>
   </p:sldIdLst>
   <p:sldSz cx="12192000" cy="6858000"/>
   <p:notesSz cx="6858000" cy="9144000"/>
@@ -104,6 +105,11 @@
       </a:defRPr>
     </a:lvl9pPr>
   </p:defaultTextStyle>
+  <p:extLst>
+    <p:ext uri="{EFAFB233-063F-42B5-8137-9DF3F51BA10A}">
+      <p15:sldGuideLst xmlns:p15="http://schemas.microsoft.com/office/powerpoint/2012/main"/>
+    </p:ext>
+  </p:extLst>
 </p:presentation>
 </file>
 
@@ -254,7 +260,7 @@
           <a:p>
             <a:fld id="{3FF71A42-F1B8-48E3-A6F9-3B91A5B13CBC}" type="datetimeFigureOut">
               <a:rPr lang="zh-CN" altLang="en-US" smtClean="0"/>
-              <a:t>2019/10/11</a:t>
+              <a:t>2019/10/23</a:t>
             </a:fld>
             <a:endParaRPr lang="zh-CN" altLang="en-US"/>
           </a:p>
@@ -452,7 +458,7 @@
           <a:p>
             <a:fld id="{3FF71A42-F1B8-48E3-A6F9-3B91A5B13CBC}" type="datetimeFigureOut">
               <a:rPr lang="zh-CN" altLang="en-US" smtClean="0"/>
-              <a:t>2019/10/11</a:t>
+              <a:t>2019/10/23</a:t>
             </a:fld>
             <a:endParaRPr lang="zh-CN" altLang="en-US"/>
           </a:p>
@@ -660,7 +666,7 @@
           <a:p>
             <a:fld id="{3FF71A42-F1B8-48E3-A6F9-3B91A5B13CBC}" type="datetimeFigureOut">
               <a:rPr lang="zh-CN" altLang="en-US" smtClean="0"/>
-              <a:t>2019/10/11</a:t>
+              <a:t>2019/10/23</a:t>
             </a:fld>
             <a:endParaRPr lang="zh-CN" altLang="en-US"/>
           </a:p>
@@ -858,7 +864,7 @@
           <a:p>
             <a:fld id="{3FF71A42-F1B8-48E3-A6F9-3B91A5B13CBC}" type="datetimeFigureOut">
               <a:rPr lang="zh-CN" altLang="en-US" smtClean="0"/>
-              <a:t>2019/10/11</a:t>
+              <a:t>2019/10/23</a:t>
             </a:fld>
             <a:endParaRPr lang="zh-CN" altLang="en-US"/>
           </a:p>
@@ -1133,7 +1139,7 @@
           <a:p>
             <a:fld id="{3FF71A42-F1B8-48E3-A6F9-3B91A5B13CBC}" type="datetimeFigureOut">
               <a:rPr lang="zh-CN" altLang="en-US" smtClean="0"/>
-              <a:t>2019/10/11</a:t>
+              <a:t>2019/10/23</a:t>
             </a:fld>
             <a:endParaRPr lang="zh-CN" altLang="en-US"/>
           </a:p>
@@ -1398,7 +1404,7 @@
           <a:p>
             <a:fld id="{3FF71A42-F1B8-48E3-A6F9-3B91A5B13CBC}" type="datetimeFigureOut">
               <a:rPr lang="zh-CN" altLang="en-US" smtClean="0"/>
-              <a:t>2019/10/11</a:t>
+              <a:t>2019/10/23</a:t>
             </a:fld>
             <a:endParaRPr lang="zh-CN" altLang="en-US"/>
           </a:p>
@@ -1810,7 +1816,7 @@
           <a:p>
             <a:fld id="{3FF71A42-F1B8-48E3-A6F9-3B91A5B13CBC}" type="datetimeFigureOut">
               <a:rPr lang="zh-CN" altLang="en-US" smtClean="0"/>
-              <a:t>2019/10/11</a:t>
+              <a:t>2019/10/23</a:t>
             </a:fld>
             <a:endParaRPr lang="zh-CN" altLang="en-US"/>
           </a:p>
@@ -1951,7 +1957,7 @@
           <a:p>
             <a:fld id="{3FF71A42-F1B8-48E3-A6F9-3B91A5B13CBC}" type="datetimeFigureOut">
               <a:rPr lang="zh-CN" altLang="en-US" smtClean="0"/>
-              <a:t>2019/10/11</a:t>
+              <a:t>2019/10/23</a:t>
             </a:fld>
             <a:endParaRPr lang="zh-CN" altLang="en-US"/>
           </a:p>
@@ -2064,7 +2070,7 @@
           <a:p>
             <a:fld id="{3FF71A42-F1B8-48E3-A6F9-3B91A5B13CBC}" type="datetimeFigureOut">
               <a:rPr lang="zh-CN" altLang="en-US" smtClean="0"/>
-              <a:t>2019/10/11</a:t>
+              <a:t>2019/10/23</a:t>
             </a:fld>
             <a:endParaRPr lang="zh-CN" altLang="en-US"/>
           </a:p>
@@ -2375,7 +2381,7 @@
           <a:p>
             <a:fld id="{3FF71A42-F1B8-48E3-A6F9-3B91A5B13CBC}" type="datetimeFigureOut">
               <a:rPr lang="zh-CN" altLang="en-US" smtClean="0"/>
-              <a:t>2019/10/11</a:t>
+              <a:t>2019/10/23</a:t>
             </a:fld>
             <a:endParaRPr lang="zh-CN" altLang="en-US"/>
           </a:p>
@@ -2663,7 +2669,7 @@
           <a:p>
             <a:fld id="{3FF71A42-F1B8-48E3-A6F9-3B91A5B13CBC}" type="datetimeFigureOut">
               <a:rPr lang="zh-CN" altLang="en-US" smtClean="0"/>
-              <a:t>2019/10/11</a:t>
+              <a:t>2019/10/23</a:t>
             </a:fld>
             <a:endParaRPr lang="zh-CN" altLang="en-US"/>
           </a:p>
@@ -2904,7 +2910,7 @@
           <a:p>
             <a:fld id="{3FF71A42-F1B8-48E3-A6F9-3B91A5B13CBC}" type="datetimeFigureOut">
               <a:rPr lang="zh-CN" altLang="en-US" smtClean="0"/>
-              <a:t>2019/10/11</a:t>
+              <a:t>2019/10/23</a:t>
             </a:fld>
             <a:endParaRPr lang="zh-CN" altLang="en-US"/>
           </a:p>
@@ -5853,6 +5859,1447 @@
 </p:sld>
 </file>
 
+<file path=ppt/slides/slide2.xml><?xml version="1.0" encoding="utf-8"?>
+<p:sld xmlns:a="http://schemas.openxmlformats.org/drawingml/2006/main" xmlns:r="http://schemas.openxmlformats.org/officeDocument/2006/relationships" xmlns:p="http://schemas.openxmlformats.org/presentationml/2006/main">
+  <p:cSld>
+    <p:spTree>
+      <p:nvGrpSpPr>
+        <p:cNvPr id="1" name=""/>
+        <p:cNvGrpSpPr/>
+        <p:nvPr/>
+      </p:nvGrpSpPr>
+      <p:grpSpPr>
+        <a:xfrm>
+          <a:off x="0" y="0"/>
+          <a:ext cx="0" cy="0"/>
+          <a:chOff x="0" y="0"/>
+          <a:chExt cx="0" cy="0"/>
+        </a:xfrm>
+      </p:grpSpPr>
+      <p:grpSp>
+        <p:nvGrpSpPr>
+          <p:cNvPr id="52" name="组合 51">
+            <a:extLst>
+              <a:ext uri="{FF2B5EF4-FFF2-40B4-BE49-F238E27FC236}">
+                <a16:creationId xmlns:a16="http://schemas.microsoft.com/office/drawing/2014/main" id="{767D0FFA-DC3F-4474-9C22-A78C0379D4AD}"/>
+              </a:ext>
+            </a:extLst>
+          </p:cNvPr>
+          <p:cNvGrpSpPr/>
+          <p:nvPr/>
+        </p:nvGrpSpPr>
+        <p:grpSpPr>
+          <a:xfrm>
+            <a:off x="1116169" y="1637731"/>
+            <a:ext cx="9577590" cy="3531085"/>
+            <a:chOff x="1116169" y="1637731"/>
+            <a:chExt cx="9577590" cy="3531085"/>
+          </a:xfrm>
+        </p:grpSpPr>
+        <p:sp>
+          <p:nvSpPr>
+            <p:cNvPr id="42" name="矩形 41">
+              <a:extLst>
+                <a:ext uri="{FF2B5EF4-FFF2-40B4-BE49-F238E27FC236}">
+                  <a16:creationId xmlns:a16="http://schemas.microsoft.com/office/drawing/2014/main" id="{EE413515-C049-4EF7-B93D-C390417CF41B}"/>
+                </a:ext>
+              </a:extLst>
+            </p:cNvPr>
+            <p:cNvSpPr/>
+            <p:nvPr/>
+          </p:nvSpPr>
+          <p:spPr>
+            <a:xfrm>
+              <a:off x="1116169" y="2837075"/>
+              <a:ext cx="9577590" cy="1201003"/>
+            </a:xfrm>
+            <a:prstGeom prst="rect">
+              <a:avLst/>
+            </a:prstGeom>
+            <a:solidFill>
+              <a:schemeClr val="accent1">
+                <a:lumMod val="75000"/>
+              </a:schemeClr>
+            </a:solidFill>
+          </p:spPr>
+          <p:style>
+            <a:lnRef idx="2">
+              <a:schemeClr val="accent1">
+                <a:shade val="50000"/>
+              </a:schemeClr>
+            </a:lnRef>
+            <a:fillRef idx="1">
+              <a:schemeClr val="accent1"/>
+            </a:fillRef>
+            <a:effectRef idx="0">
+              <a:schemeClr val="accent1"/>
+            </a:effectRef>
+            <a:fontRef idx="minor">
+              <a:schemeClr val="lt1"/>
+            </a:fontRef>
+          </p:style>
+          <p:txBody>
+            <a:bodyPr rot="0" spcFirstLastPara="0" vertOverflow="overflow" horzOverflow="overflow" vert="horz" wrap="square" lIns="91440" tIns="45720" rIns="91440" bIns="45720" numCol="1" spcCol="0" rtlCol="0" fromWordArt="0" anchor="ctr" anchorCtr="0" forceAA="0" compatLnSpc="1">
+              <a:prstTxWarp prst="textNoShape">
+                <a:avLst/>
+              </a:prstTxWarp>
+              <a:noAutofit/>
+            </a:bodyPr>
+            <a:lstStyle/>
+            <a:p>
+              <a:pPr algn="ctr"/>
+              <a:endParaRPr lang="zh-CN" altLang="en-US"/>
+            </a:p>
+          </p:txBody>
+        </p:sp>
+        <p:sp>
+          <p:nvSpPr>
+            <p:cNvPr id="31" name="矩形 30">
+              <a:extLst>
+                <a:ext uri="{FF2B5EF4-FFF2-40B4-BE49-F238E27FC236}">
+                  <a16:creationId xmlns:a16="http://schemas.microsoft.com/office/drawing/2014/main" id="{473436CC-5A1E-4E74-B191-3991F4C1D652}"/>
+                </a:ext>
+              </a:extLst>
+            </p:cNvPr>
+            <p:cNvSpPr/>
+            <p:nvPr/>
+          </p:nvSpPr>
+          <p:spPr>
+            <a:xfrm>
+              <a:off x="1116169" y="1637731"/>
+              <a:ext cx="9577590" cy="1201003"/>
+            </a:xfrm>
+            <a:prstGeom prst="rect">
+              <a:avLst/>
+            </a:prstGeom>
+            <a:solidFill>
+              <a:schemeClr val="accent1">
+                <a:lumMod val="20000"/>
+                <a:lumOff val="80000"/>
+              </a:schemeClr>
+            </a:solidFill>
+          </p:spPr>
+          <p:style>
+            <a:lnRef idx="2">
+              <a:schemeClr val="accent1">
+                <a:shade val="50000"/>
+              </a:schemeClr>
+            </a:lnRef>
+            <a:fillRef idx="1">
+              <a:schemeClr val="accent1"/>
+            </a:fillRef>
+            <a:effectRef idx="0">
+              <a:schemeClr val="accent1"/>
+            </a:effectRef>
+            <a:fontRef idx="minor">
+              <a:schemeClr val="lt1"/>
+            </a:fontRef>
+          </p:style>
+          <p:txBody>
+            <a:bodyPr rot="0" spcFirstLastPara="0" vertOverflow="overflow" horzOverflow="overflow" vert="horz" wrap="square" lIns="91440" tIns="45720" rIns="91440" bIns="45720" numCol="1" spcCol="0" rtlCol="0" fromWordArt="0" anchor="ctr" anchorCtr="0" forceAA="0" compatLnSpc="1">
+              <a:prstTxWarp prst="textNoShape">
+                <a:avLst/>
+              </a:prstTxWarp>
+              <a:noAutofit/>
+            </a:bodyPr>
+            <a:lstStyle/>
+            <a:p>
+              <a:pPr algn="ctr"/>
+              <a:endParaRPr lang="zh-CN" altLang="en-US"/>
+            </a:p>
+          </p:txBody>
+        </p:sp>
+        <p:sp>
+          <p:nvSpPr>
+            <p:cNvPr id="10" name="矩形: 圆角 9">
+              <a:extLst>
+                <a:ext uri="{FF2B5EF4-FFF2-40B4-BE49-F238E27FC236}">
+                  <a16:creationId xmlns:a16="http://schemas.microsoft.com/office/drawing/2014/main" id="{C12CB1C4-DA1C-4BF4-B5D8-724E279675DE}"/>
+                </a:ext>
+              </a:extLst>
+            </p:cNvPr>
+            <p:cNvSpPr/>
+            <p:nvPr/>
+          </p:nvSpPr>
+          <p:spPr>
+            <a:xfrm>
+              <a:off x="1382332" y="2148626"/>
+              <a:ext cx="1538834" cy="377781"/>
+            </a:xfrm>
+            <a:prstGeom prst="roundRect">
+              <a:avLst/>
+            </a:prstGeom>
+            <a:solidFill>
+              <a:schemeClr val="accent2">
+                <a:lumMod val="60000"/>
+                <a:lumOff val="40000"/>
+              </a:schemeClr>
+            </a:solidFill>
+          </p:spPr>
+          <p:style>
+            <a:lnRef idx="2">
+              <a:schemeClr val="accent1">
+                <a:shade val="50000"/>
+              </a:schemeClr>
+            </a:lnRef>
+            <a:fillRef idx="1">
+              <a:schemeClr val="accent1"/>
+            </a:fillRef>
+            <a:effectRef idx="0">
+              <a:schemeClr val="accent1"/>
+            </a:effectRef>
+            <a:fontRef idx="minor">
+              <a:schemeClr val="lt1"/>
+            </a:fontRef>
+          </p:style>
+          <p:txBody>
+            <a:bodyPr rot="0" spcFirstLastPara="0" vertOverflow="overflow" horzOverflow="overflow" vert="horz" wrap="square" lIns="91440" tIns="45720" rIns="91440" bIns="45720" numCol="1" spcCol="0" rtlCol="0" fromWordArt="0" anchor="ctr" anchorCtr="0" forceAA="0" compatLnSpc="1">
+              <a:prstTxWarp prst="textNoShape">
+                <a:avLst/>
+              </a:prstTxWarp>
+              <a:noAutofit/>
+            </a:bodyPr>
+            <a:lstStyle/>
+            <a:p>
+              <a:pPr algn="ctr"/>
+              <a:r>
+                <a:rPr lang="zh-CN" altLang="en-US" sz="1200" dirty="0">
+                  <a:latin typeface="微软雅黑 Light" panose="020B0502040204020203" pitchFamily="34" charset="-122"/>
+                  <a:ea typeface="微软雅黑 Light" panose="020B0502040204020203" pitchFamily="34" charset="-122"/>
+                </a:rPr>
+                <a:t>账户管理模块</a:t>
+              </a:r>
+            </a:p>
+          </p:txBody>
+        </p:sp>
+        <p:sp>
+          <p:nvSpPr>
+            <p:cNvPr id="12" name="矩形: 圆角 11">
+              <a:extLst>
+                <a:ext uri="{FF2B5EF4-FFF2-40B4-BE49-F238E27FC236}">
+                  <a16:creationId xmlns:a16="http://schemas.microsoft.com/office/drawing/2014/main" id="{49E117D7-C407-4DB0-92F3-CEECFF72149A}"/>
+                </a:ext>
+              </a:extLst>
+            </p:cNvPr>
+            <p:cNvSpPr/>
+            <p:nvPr/>
+          </p:nvSpPr>
+          <p:spPr>
+            <a:xfrm>
+              <a:off x="3099324" y="2148626"/>
+              <a:ext cx="1137634" cy="377781"/>
+            </a:xfrm>
+            <a:prstGeom prst="roundRect">
+              <a:avLst/>
+            </a:prstGeom>
+            <a:solidFill>
+              <a:schemeClr val="accent2">
+                <a:lumMod val="60000"/>
+                <a:lumOff val="40000"/>
+              </a:schemeClr>
+            </a:solidFill>
+          </p:spPr>
+          <p:style>
+            <a:lnRef idx="2">
+              <a:schemeClr val="accent1">
+                <a:shade val="50000"/>
+              </a:schemeClr>
+            </a:lnRef>
+            <a:fillRef idx="1">
+              <a:schemeClr val="accent1"/>
+            </a:fillRef>
+            <a:effectRef idx="0">
+              <a:schemeClr val="accent1"/>
+            </a:effectRef>
+            <a:fontRef idx="minor">
+              <a:schemeClr val="lt1"/>
+            </a:fontRef>
+          </p:style>
+          <p:txBody>
+            <a:bodyPr rtlCol="0" anchor="ctr"/>
+            <a:lstStyle/>
+            <a:p>
+              <a:pPr algn="ctr"/>
+              <a:r>
+                <a:rPr lang="zh-CN" altLang="en-US" sz="1200" dirty="0">
+                  <a:latin typeface="微软雅黑 Light" panose="020B0502040204020203" pitchFamily="34" charset="-122"/>
+                  <a:ea typeface="微软雅黑 Light" panose="020B0502040204020203" pitchFamily="34" charset="-122"/>
+                </a:rPr>
+                <a:t>参数设置模块</a:t>
+              </a:r>
+            </a:p>
+          </p:txBody>
+        </p:sp>
+        <p:sp>
+          <p:nvSpPr>
+            <p:cNvPr id="13" name="矩形: 圆角 12">
+              <a:extLst>
+                <a:ext uri="{FF2B5EF4-FFF2-40B4-BE49-F238E27FC236}">
+                  <a16:creationId xmlns:a16="http://schemas.microsoft.com/office/drawing/2014/main" id="{1882ACDD-8D2E-42B7-B8CD-8A729B472B7D}"/>
+                </a:ext>
+              </a:extLst>
+            </p:cNvPr>
+            <p:cNvSpPr/>
+            <p:nvPr/>
+          </p:nvSpPr>
+          <p:spPr>
+            <a:xfrm>
+              <a:off x="4415116" y="2155066"/>
+              <a:ext cx="1137634" cy="377781"/>
+            </a:xfrm>
+            <a:prstGeom prst="roundRect">
+              <a:avLst/>
+            </a:prstGeom>
+            <a:solidFill>
+              <a:schemeClr val="accent2">
+                <a:lumMod val="60000"/>
+                <a:lumOff val="40000"/>
+              </a:schemeClr>
+            </a:solidFill>
+          </p:spPr>
+          <p:style>
+            <a:lnRef idx="2">
+              <a:schemeClr val="accent1">
+                <a:shade val="50000"/>
+              </a:schemeClr>
+            </a:lnRef>
+            <a:fillRef idx="1">
+              <a:schemeClr val="accent1"/>
+            </a:fillRef>
+            <a:effectRef idx="0">
+              <a:schemeClr val="accent1"/>
+            </a:effectRef>
+            <a:fontRef idx="minor">
+              <a:schemeClr val="lt1"/>
+            </a:fontRef>
+          </p:style>
+          <p:txBody>
+            <a:bodyPr rtlCol="0" anchor="ctr"/>
+            <a:lstStyle/>
+            <a:p>
+              <a:pPr algn="ctr"/>
+              <a:r>
+                <a:rPr lang="zh-CN" altLang="en-US" sz="1200" dirty="0">
+                  <a:latin typeface="微软雅黑 Light" panose="020B0502040204020203" pitchFamily="34" charset="-122"/>
+                  <a:ea typeface="微软雅黑 Light" panose="020B0502040204020203" pitchFamily="34" charset="-122"/>
+                </a:rPr>
+                <a:t>任务管理模块</a:t>
+              </a:r>
+            </a:p>
+          </p:txBody>
+        </p:sp>
+        <p:sp>
+          <p:nvSpPr>
+            <p:cNvPr id="14" name="矩形: 圆角 13">
+              <a:extLst>
+                <a:ext uri="{FF2B5EF4-FFF2-40B4-BE49-F238E27FC236}">
+                  <a16:creationId xmlns:a16="http://schemas.microsoft.com/office/drawing/2014/main" id="{39439D2B-FB6E-4077-8C7A-D0257604A304}"/>
+                </a:ext>
+              </a:extLst>
+            </p:cNvPr>
+            <p:cNvSpPr/>
+            <p:nvPr/>
+          </p:nvSpPr>
+          <p:spPr>
+            <a:xfrm>
+              <a:off x="7961593" y="2155066"/>
+              <a:ext cx="1137634" cy="377781"/>
+            </a:xfrm>
+            <a:prstGeom prst="roundRect">
+              <a:avLst/>
+            </a:prstGeom>
+            <a:solidFill>
+              <a:schemeClr val="accent2">
+                <a:lumMod val="60000"/>
+                <a:lumOff val="40000"/>
+              </a:schemeClr>
+            </a:solidFill>
+          </p:spPr>
+          <p:style>
+            <a:lnRef idx="2">
+              <a:schemeClr val="accent1">
+                <a:shade val="50000"/>
+              </a:schemeClr>
+            </a:lnRef>
+            <a:fillRef idx="1">
+              <a:schemeClr val="accent1"/>
+            </a:fillRef>
+            <a:effectRef idx="0">
+              <a:schemeClr val="accent1"/>
+            </a:effectRef>
+            <a:fontRef idx="minor">
+              <a:schemeClr val="lt1"/>
+            </a:fontRef>
+          </p:style>
+          <p:txBody>
+            <a:bodyPr rtlCol="0" anchor="ctr"/>
+            <a:lstStyle/>
+            <a:p>
+              <a:pPr algn="ctr"/>
+              <a:r>
+                <a:rPr lang="zh-CN" altLang="en-US" sz="1200" dirty="0">
+                  <a:latin typeface="微软雅黑 Light" panose="020B0502040204020203" pitchFamily="34" charset="-122"/>
+                  <a:ea typeface="微软雅黑 Light" panose="020B0502040204020203" pitchFamily="34" charset="-122"/>
+                </a:rPr>
+                <a:t>远程控制模块</a:t>
+              </a:r>
+            </a:p>
+          </p:txBody>
+        </p:sp>
+        <p:sp>
+          <p:nvSpPr>
+            <p:cNvPr id="15" name="矩形: 圆角 14">
+              <a:extLst>
+                <a:ext uri="{FF2B5EF4-FFF2-40B4-BE49-F238E27FC236}">
+                  <a16:creationId xmlns:a16="http://schemas.microsoft.com/office/drawing/2014/main" id="{EA00DBEC-D692-49AA-8A13-636B3B579550}"/>
+                </a:ext>
+              </a:extLst>
+            </p:cNvPr>
+            <p:cNvSpPr/>
+            <p:nvPr/>
+          </p:nvSpPr>
+          <p:spPr>
+            <a:xfrm>
+              <a:off x="5730390" y="2155066"/>
+              <a:ext cx="2051971" cy="377781"/>
+            </a:xfrm>
+            <a:prstGeom prst="roundRect">
+              <a:avLst/>
+            </a:prstGeom>
+            <a:solidFill>
+              <a:schemeClr val="accent2">
+                <a:lumMod val="60000"/>
+                <a:lumOff val="40000"/>
+              </a:schemeClr>
+            </a:solidFill>
+          </p:spPr>
+          <p:style>
+            <a:lnRef idx="2">
+              <a:schemeClr val="accent1">
+                <a:shade val="50000"/>
+              </a:schemeClr>
+            </a:lnRef>
+            <a:fillRef idx="1">
+              <a:schemeClr val="accent1"/>
+            </a:fillRef>
+            <a:effectRef idx="0">
+              <a:schemeClr val="accent1"/>
+            </a:effectRef>
+            <a:fontRef idx="minor">
+              <a:schemeClr val="lt1"/>
+            </a:fontRef>
+          </p:style>
+          <p:txBody>
+            <a:bodyPr rtlCol="0" anchor="ctr"/>
+            <a:lstStyle/>
+            <a:p>
+              <a:pPr algn="ctr"/>
+              <a:r>
+                <a:rPr lang="zh-CN" altLang="en-US" sz="1200" dirty="0">
+                  <a:latin typeface="微软雅黑 Light" panose="020B0502040204020203" pitchFamily="34" charset="-122"/>
+                  <a:ea typeface="微软雅黑 Light" panose="020B0502040204020203" pitchFamily="34" charset="-122"/>
+                </a:rPr>
+                <a:t>系统状态模块</a:t>
+              </a:r>
+            </a:p>
+          </p:txBody>
+        </p:sp>
+        <p:sp>
+          <p:nvSpPr>
+            <p:cNvPr id="16" name="矩形: 圆角 15">
+              <a:extLst>
+                <a:ext uri="{FF2B5EF4-FFF2-40B4-BE49-F238E27FC236}">
+                  <a16:creationId xmlns:a16="http://schemas.microsoft.com/office/drawing/2014/main" id="{30F25953-BBF7-4161-AF86-E771D31FAC22}"/>
+                </a:ext>
+              </a:extLst>
+            </p:cNvPr>
+            <p:cNvSpPr/>
+            <p:nvPr/>
+          </p:nvSpPr>
+          <p:spPr>
+            <a:xfrm>
+              <a:off x="9328888" y="2146481"/>
+              <a:ext cx="1137634" cy="377781"/>
+            </a:xfrm>
+            <a:prstGeom prst="roundRect">
+              <a:avLst/>
+            </a:prstGeom>
+            <a:solidFill>
+              <a:schemeClr val="accent2">
+                <a:lumMod val="60000"/>
+                <a:lumOff val="40000"/>
+              </a:schemeClr>
+            </a:solidFill>
+          </p:spPr>
+          <p:style>
+            <a:lnRef idx="2">
+              <a:schemeClr val="accent1">
+                <a:shade val="50000"/>
+              </a:schemeClr>
+            </a:lnRef>
+            <a:fillRef idx="1">
+              <a:schemeClr val="accent1"/>
+            </a:fillRef>
+            <a:effectRef idx="0">
+              <a:schemeClr val="accent1"/>
+            </a:effectRef>
+            <a:fontRef idx="minor">
+              <a:schemeClr val="lt1"/>
+            </a:fontRef>
+          </p:style>
+          <p:txBody>
+            <a:bodyPr rtlCol="0" anchor="ctr"/>
+            <a:lstStyle/>
+            <a:p>
+              <a:pPr algn="ctr"/>
+              <a:r>
+                <a:rPr lang="zh-CN" altLang="en-US" sz="1200" dirty="0">
+                  <a:latin typeface="微软雅黑 Light" panose="020B0502040204020203" pitchFamily="34" charset="-122"/>
+                  <a:ea typeface="微软雅黑 Light" panose="020B0502040204020203" pitchFamily="34" charset="-122"/>
+                </a:rPr>
+                <a:t>日志模块</a:t>
+              </a:r>
+            </a:p>
+          </p:txBody>
+        </p:sp>
+        <p:sp>
+          <p:nvSpPr>
+            <p:cNvPr id="32" name="矩形: 圆角 31">
+              <a:extLst>
+                <a:ext uri="{FF2B5EF4-FFF2-40B4-BE49-F238E27FC236}">
+                  <a16:creationId xmlns:a16="http://schemas.microsoft.com/office/drawing/2014/main" id="{03AC3D68-BED9-4243-BE95-2B7E4AB09305}"/>
+                </a:ext>
+              </a:extLst>
+            </p:cNvPr>
+            <p:cNvSpPr/>
+            <p:nvPr/>
+          </p:nvSpPr>
+          <p:spPr>
+            <a:xfrm>
+              <a:off x="1305059" y="3462301"/>
+              <a:ext cx="7794167" cy="377781"/>
+            </a:xfrm>
+            <a:prstGeom prst="roundRect">
+              <a:avLst/>
+            </a:prstGeom>
+            <a:solidFill>
+              <a:schemeClr val="accent4">
+                <a:lumMod val="75000"/>
+              </a:schemeClr>
+            </a:solidFill>
+          </p:spPr>
+          <p:style>
+            <a:lnRef idx="2">
+              <a:schemeClr val="accent1">
+                <a:shade val="50000"/>
+              </a:schemeClr>
+            </a:lnRef>
+            <a:fillRef idx="1">
+              <a:schemeClr val="accent1"/>
+            </a:fillRef>
+            <a:effectRef idx="0">
+              <a:schemeClr val="accent1"/>
+            </a:effectRef>
+            <a:fontRef idx="minor">
+              <a:schemeClr val="lt1"/>
+            </a:fontRef>
+          </p:style>
+          <p:txBody>
+            <a:bodyPr rot="0" spcFirstLastPara="0" vertOverflow="overflow" horzOverflow="overflow" vert="horz" wrap="square" lIns="91440" tIns="45720" rIns="91440" bIns="45720" numCol="1" spcCol="0" rtlCol="0" fromWordArt="0" anchor="ctr" anchorCtr="0" forceAA="0" compatLnSpc="1">
+              <a:prstTxWarp prst="textNoShape">
+                <a:avLst/>
+              </a:prstTxWarp>
+              <a:noAutofit/>
+            </a:bodyPr>
+            <a:lstStyle/>
+            <a:p>
+              <a:pPr algn="ctr"/>
+              <a:r>
+                <a:rPr lang="en-US" altLang="zh-CN" sz="1200" dirty="0">
+                  <a:latin typeface="微软雅黑 Light" panose="020B0502040204020203" pitchFamily="34" charset="-122"/>
+                  <a:ea typeface="微软雅黑 Light" panose="020B0502040204020203" pitchFamily="34" charset="-122"/>
+                </a:rPr>
+                <a:t>Tango</a:t>
+              </a:r>
+              <a:r>
+                <a:rPr lang="zh-CN" altLang="en-US" sz="1200" dirty="0">
+                  <a:latin typeface="微软雅黑 Light" panose="020B0502040204020203" pitchFamily="34" charset="-122"/>
+                  <a:ea typeface="微软雅黑 Light" panose="020B0502040204020203" pitchFamily="34" charset="-122"/>
+                </a:rPr>
+                <a:t>中间件</a:t>
+              </a:r>
+            </a:p>
+          </p:txBody>
+        </p:sp>
+        <p:sp>
+          <p:nvSpPr>
+            <p:cNvPr id="33" name="矩形: 圆角 32">
+              <a:extLst>
+                <a:ext uri="{FF2B5EF4-FFF2-40B4-BE49-F238E27FC236}">
+                  <a16:creationId xmlns:a16="http://schemas.microsoft.com/office/drawing/2014/main" id="{A1CC717F-DF81-4541-BFFF-D9C38890934D}"/>
+                </a:ext>
+              </a:extLst>
+            </p:cNvPr>
+            <p:cNvSpPr/>
+            <p:nvPr/>
+          </p:nvSpPr>
+          <p:spPr>
+            <a:xfrm>
+              <a:off x="9328888" y="3462300"/>
+              <a:ext cx="1137634" cy="377781"/>
+            </a:xfrm>
+            <a:prstGeom prst="roundRect">
+              <a:avLst/>
+            </a:prstGeom>
+            <a:solidFill>
+              <a:schemeClr val="accent4">
+                <a:lumMod val="75000"/>
+              </a:schemeClr>
+            </a:solidFill>
+          </p:spPr>
+          <p:style>
+            <a:lnRef idx="2">
+              <a:schemeClr val="accent1">
+                <a:shade val="50000"/>
+              </a:schemeClr>
+            </a:lnRef>
+            <a:fillRef idx="1">
+              <a:schemeClr val="accent1"/>
+            </a:fillRef>
+            <a:effectRef idx="0">
+              <a:schemeClr val="accent1"/>
+            </a:effectRef>
+            <a:fontRef idx="minor">
+              <a:schemeClr val="lt1"/>
+            </a:fontRef>
+          </p:style>
+          <p:txBody>
+            <a:bodyPr rtlCol="0" anchor="ctr"/>
+            <a:lstStyle/>
+            <a:p>
+              <a:pPr algn="ctr"/>
+              <a:r>
+                <a:rPr lang="zh-CN" altLang="en-US" sz="1200" dirty="0">
+                  <a:latin typeface="微软雅黑 Light" panose="020B0502040204020203" pitchFamily="34" charset="-122"/>
+                  <a:ea typeface="微软雅黑 Light" panose="020B0502040204020203" pitchFamily="34" charset="-122"/>
+                </a:rPr>
+                <a:t>数据库驱动</a:t>
+              </a:r>
+            </a:p>
+          </p:txBody>
+        </p:sp>
+        <p:sp>
+          <p:nvSpPr>
+            <p:cNvPr id="34" name="箭头: 上下 33">
+              <a:extLst>
+                <a:ext uri="{FF2B5EF4-FFF2-40B4-BE49-F238E27FC236}">
+                  <a16:creationId xmlns:a16="http://schemas.microsoft.com/office/drawing/2014/main" id="{433C2872-4ED4-4894-8758-E7DC64D60601}"/>
+                </a:ext>
+              </a:extLst>
+            </p:cNvPr>
+            <p:cNvSpPr/>
+            <p:nvPr/>
+          </p:nvSpPr>
+          <p:spPr>
+            <a:xfrm>
+              <a:off x="2056941" y="2524262"/>
+              <a:ext cx="218364" cy="940161"/>
+            </a:xfrm>
+            <a:prstGeom prst="upDownArrow">
+              <a:avLst/>
+            </a:prstGeom>
+            <a:solidFill>
+              <a:schemeClr val="accent5">
+                <a:lumMod val="20000"/>
+                <a:lumOff val="80000"/>
+              </a:schemeClr>
+            </a:solidFill>
+          </p:spPr>
+          <p:style>
+            <a:lnRef idx="2">
+              <a:schemeClr val="accent1">
+                <a:shade val="50000"/>
+              </a:schemeClr>
+            </a:lnRef>
+            <a:fillRef idx="1">
+              <a:schemeClr val="accent1"/>
+            </a:fillRef>
+            <a:effectRef idx="0">
+              <a:schemeClr val="accent1"/>
+            </a:effectRef>
+            <a:fontRef idx="minor">
+              <a:schemeClr val="lt1"/>
+            </a:fontRef>
+          </p:style>
+          <p:txBody>
+            <a:bodyPr rot="0" spcFirstLastPara="0" vertOverflow="overflow" horzOverflow="overflow" vert="horz" wrap="square" lIns="91440" tIns="45720" rIns="91440" bIns="45720" numCol="1" spcCol="0" rtlCol="0" fromWordArt="0" anchor="ctr" anchorCtr="0" forceAA="0" compatLnSpc="1">
+              <a:prstTxWarp prst="textNoShape">
+                <a:avLst/>
+              </a:prstTxWarp>
+              <a:noAutofit/>
+            </a:bodyPr>
+            <a:lstStyle/>
+            <a:p>
+              <a:pPr algn="ctr"/>
+              <a:endParaRPr lang="zh-CN" altLang="en-US"/>
+            </a:p>
+          </p:txBody>
+        </p:sp>
+        <p:sp>
+          <p:nvSpPr>
+            <p:cNvPr id="36" name="箭头: 上下 35">
+              <a:extLst>
+                <a:ext uri="{FF2B5EF4-FFF2-40B4-BE49-F238E27FC236}">
+                  <a16:creationId xmlns:a16="http://schemas.microsoft.com/office/drawing/2014/main" id="{698EF1CF-1DB1-422E-964A-BBEFE115EB8A}"/>
+                </a:ext>
+              </a:extLst>
+            </p:cNvPr>
+            <p:cNvSpPr/>
+            <p:nvPr/>
+          </p:nvSpPr>
+          <p:spPr>
+            <a:xfrm>
+              <a:off x="3558959" y="2530416"/>
+              <a:ext cx="218364" cy="940161"/>
+            </a:xfrm>
+            <a:prstGeom prst="upDownArrow">
+              <a:avLst/>
+            </a:prstGeom>
+            <a:solidFill>
+              <a:schemeClr val="accent5">
+                <a:lumMod val="20000"/>
+                <a:lumOff val="80000"/>
+              </a:schemeClr>
+            </a:solidFill>
+          </p:spPr>
+          <p:style>
+            <a:lnRef idx="2">
+              <a:schemeClr val="accent1">
+                <a:shade val="50000"/>
+              </a:schemeClr>
+            </a:lnRef>
+            <a:fillRef idx="1">
+              <a:schemeClr val="accent1"/>
+            </a:fillRef>
+            <a:effectRef idx="0">
+              <a:schemeClr val="accent1"/>
+            </a:effectRef>
+            <a:fontRef idx="minor">
+              <a:schemeClr val="lt1"/>
+            </a:fontRef>
+          </p:style>
+          <p:txBody>
+            <a:bodyPr rot="0" spcFirstLastPara="0" vertOverflow="overflow" horzOverflow="overflow" vert="horz" wrap="square" lIns="91440" tIns="45720" rIns="91440" bIns="45720" numCol="1" spcCol="0" rtlCol="0" fromWordArt="0" anchor="ctr" anchorCtr="0" forceAA="0" compatLnSpc="1">
+              <a:prstTxWarp prst="textNoShape">
+                <a:avLst/>
+              </a:prstTxWarp>
+              <a:noAutofit/>
+            </a:bodyPr>
+            <a:lstStyle/>
+            <a:p>
+              <a:pPr algn="ctr"/>
+              <a:endParaRPr lang="zh-CN" altLang="en-US"/>
+            </a:p>
+          </p:txBody>
+        </p:sp>
+        <p:sp>
+          <p:nvSpPr>
+            <p:cNvPr id="37" name="箭头: 上下 36">
+              <a:extLst>
+                <a:ext uri="{FF2B5EF4-FFF2-40B4-BE49-F238E27FC236}">
+                  <a16:creationId xmlns:a16="http://schemas.microsoft.com/office/drawing/2014/main" id="{2CA8D1C2-10E6-479C-82E5-E6D7A93F0A8A}"/>
+                </a:ext>
+              </a:extLst>
+            </p:cNvPr>
+            <p:cNvSpPr/>
+            <p:nvPr/>
+          </p:nvSpPr>
+          <p:spPr>
+            <a:xfrm>
+              <a:off x="4836643" y="2524261"/>
+              <a:ext cx="218364" cy="940161"/>
+            </a:xfrm>
+            <a:prstGeom prst="upDownArrow">
+              <a:avLst/>
+            </a:prstGeom>
+            <a:solidFill>
+              <a:schemeClr val="accent5">
+                <a:lumMod val="20000"/>
+                <a:lumOff val="80000"/>
+              </a:schemeClr>
+            </a:solidFill>
+          </p:spPr>
+          <p:style>
+            <a:lnRef idx="2">
+              <a:schemeClr val="accent1">
+                <a:shade val="50000"/>
+              </a:schemeClr>
+            </a:lnRef>
+            <a:fillRef idx="1">
+              <a:schemeClr val="accent1"/>
+            </a:fillRef>
+            <a:effectRef idx="0">
+              <a:schemeClr val="accent1"/>
+            </a:effectRef>
+            <a:fontRef idx="minor">
+              <a:schemeClr val="lt1"/>
+            </a:fontRef>
+          </p:style>
+          <p:txBody>
+            <a:bodyPr rot="0" spcFirstLastPara="0" vertOverflow="overflow" horzOverflow="overflow" vert="horz" wrap="square" lIns="91440" tIns="45720" rIns="91440" bIns="45720" numCol="1" spcCol="0" rtlCol="0" fromWordArt="0" anchor="ctr" anchorCtr="0" forceAA="0" compatLnSpc="1">
+              <a:prstTxWarp prst="textNoShape">
+                <a:avLst/>
+              </a:prstTxWarp>
+              <a:noAutofit/>
+            </a:bodyPr>
+            <a:lstStyle/>
+            <a:p>
+              <a:pPr algn="ctr"/>
+              <a:endParaRPr lang="zh-CN" altLang="en-US"/>
+            </a:p>
+          </p:txBody>
+        </p:sp>
+        <p:sp>
+          <p:nvSpPr>
+            <p:cNvPr id="38" name="箭头: 上下 37">
+              <a:extLst>
+                <a:ext uri="{FF2B5EF4-FFF2-40B4-BE49-F238E27FC236}">
+                  <a16:creationId xmlns:a16="http://schemas.microsoft.com/office/drawing/2014/main" id="{F01DC86A-B77A-419C-9F41-E5A1AC5B47F7}"/>
+                </a:ext>
+              </a:extLst>
+            </p:cNvPr>
+            <p:cNvSpPr/>
+            <p:nvPr/>
+          </p:nvSpPr>
+          <p:spPr>
+            <a:xfrm>
+              <a:off x="6689348" y="2530416"/>
+              <a:ext cx="218364" cy="940161"/>
+            </a:xfrm>
+            <a:prstGeom prst="upDownArrow">
+              <a:avLst/>
+            </a:prstGeom>
+            <a:solidFill>
+              <a:schemeClr val="accent5">
+                <a:lumMod val="20000"/>
+                <a:lumOff val="80000"/>
+              </a:schemeClr>
+            </a:solidFill>
+          </p:spPr>
+          <p:style>
+            <a:lnRef idx="2">
+              <a:schemeClr val="accent1">
+                <a:shade val="50000"/>
+              </a:schemeClr>
+            </a:lnRef>
+            <a:fillRef idx="1">
+              <a:schemeClr val="accent1"/>
+            </a:fillRef>
+            <a:effectRef idx="0">
+              <a:schemeClr val="accent1"/>
+            </a:effectRef>
+            <a:fontRef idx="minor">
+              <a:schemeClr val="lt1"/>
+            </a:fontRef>
+          </p:style>
+          <p:txBody>
+            <a:bodyPr rot="0" spcFirstLastPara="0" vertOverflow="overflow" horzOverflow="overflow" vert="horz" wrap="square" lIns="91440" tIns="45720" rIns="91440" bIns="45720" numCol="1" spcCol="0" rtlCol="0" fromWordArt="0" anchor="ctr" anchorCtr="0" forceAA="0" compatLnSpc="1">
+              <a:prstTxWarp prst="textNoShape">
+                <a:avLst/>
+              </a:prstTxWarp>
+              <a:noAutofit/>
+            </a:bodyPr>
+            <a:lstStyle/>
+            <a:p>
+              <a:pPr algn="ctr"/>
+              <a:endParaRPr lang="zh-CN" altLang="en-US"/>
+            </a:p>
+          </p:txBody>
+        </p:sp>
+        <p:sp>
+          <p:nvSpPr>
+            <p:cNvPr id="39" name="箭头: 上下 38">
+              <a:extLst>
+                <a:ext uri="{FF2B5EF4-FFF2-40B4-BE49-F238E27FC236}">
+                  <a16:creationId xmlns:a16="http://schemas.microsoft.com/office/drawing/2014/main" id="{49F8A2E2-07F6-4A4F-8BDA-63B07E35E0CA}"/>
+                </a:ext>
+              </a:extLst>
+            </p:cNvPr>
+            <p:cNvSpPr/>
+            <p:nvPr/>
+          </p:nvSpPr>
+          <p:spPr>
+            <a:xfrm>
+              <a:off x="8487561" y="2530416"/>
+              <a:ext cx="218364" cy="940161"/>
+            </a:xfrm>
+            <a:prstGeom prst="upDownArrow">
+              <a:avLst/>
+            </a:prstGeom>
+            <a:solidFill>
+              <a:schemeClr val="accent5">
+                <a:lumMod val="20000"/>
+                <a:lumOff val="80000"/>
+              </a:schemeClr>
+            </a:solidFill>
+          </p:spPr>
+          <p:style>
+            <a:lnRef idx="2">
+              <a:schemeClr val="accent1">
+                <a:shade val="50000"/>
+              </a:schemeClr>
+            </a:lnRef>
+            <a:fillRef idx="1">
+              <a:schemeClr val="accent1"/>
+            </a:fillRef>
+            <a:effectRef idx="0">
+              <a:schemeClr val="accent1"/>
+            </a:effectRef>
+            <a:fontRef idx="minor">
+              <a:schemeClr val="lt1"/>
+            </a:fontRef>
+          </p:style>
+          <p:txBody>
+            <a:bodyPr rot="0" spcFirstLastPara="0" vertOverflow="overflow" horzOverflow="overflow" vert="horz" wrap="square" lIns="91440" tIns="45720" rIns="91440" bIns="45720" numCol="1" spcCol="0" rtlCol="0" fromWordArt="0" anchor="ctr" anchorCtr="0" forceAA="0" compatLnSpc="1">
+              <a:prstTxWarp prst="textNoShape">
+                <a:avLst/>
+              </a:prstTxWarp>
+              <a:noAutofit/>
+            </a:bodyPr>
+            <a:lstStyle/>
+            <a:p>
+              <a:pPr algn="ctr"/>
+              <a:endParaRPr lang="zh-CN" altLang="en-US"/>
+            </a:p>
+          </p:txBody>
+        </p:sp>
+        <p:sp>
+          <p:nvSpPr>
+            <p:cNvPr id="41" name="箭头: 上下 40">
+              <a:extLst>
+                <a:ext uri="{FF2B5EF4-FFF2-40B4-BE49-F238E27FC236}">
+                  <a16:creationId xmlns:a16="http://schemas.microsoft.com/office/drawing/2014/main" id="{B7CBD462-0E5D-4C72-8615-4586CC74D39C}"/>
+                </a:ext>
+              </a:extLst>
+            </p:cNvPr>
+            <p:cNvSpPr/>
+            <p:nvPr/>
+          </p:nvSpPr>
+          <p:spPr>
+            <a:xfrm>
+              <a:off x="9819246" y="2528369"/>
+              <a:ext cx="218364" cy="940161"/>
+            </a:xfrm>
+            <a:prstGeom prst="upDownArrow">
+              <a:avLst/>
+            </a:prstGeom>
+            <a:solidFill>
+              <a:schemeClr val="accent5">
+                <a:lumMod val="20000"/>
+                <a:lumOff val="80000"/>
+              </a:schemeClr>
+            </a:solidFill>
+          </p:spPr>
+          <p:style>
+            <a:lnRef idx="2">
+              <a:schemeClr val="accent1">
+                <a:shade val="50000"/>
+              </a:schemeClr>
+            </a:lnRef>
+            <a:fillRef idx="1">
+              <a:schemeClr val="accent1"/>
+            </a:fillRef>
+            <a:effectRef idx="0">
+              <a:schemeClr val="accent1"/>
+            </a:effectRef>
+            <a:fontRef idx="minor">
+              <a:schemeClr val="lt1"/>
+            </a:fontRef>
+          </p:style>
+          <p:txBody>
+            <a:bodyPr rot="0" spcFirstLastPara="0" vertOverflow="overflow" horzOverflow="overflow" vert="horz" wrap="square" lIns="91440" tIns="45720" rIns="91440" bIns="45720" numCol="1" spcCol="0" rtlCol="0" fromWordArt="0" anchor="ctr" anchorCtr="0" forceAA="0" compatLnSpc="1">
+              <a:prstTxWarp prst="textNoShape">
+                <a:avLst/>
+              </a:prstTxWarp>
+              <a:noAutofit/>
+            </a:bodyPr>
+            <a:lstStyle/>
+            <a:p>
+              <a:pPr algn="ctr"/>
+              <a:endParaRPr lang="zh-CN" altLang="en-US"/>
+            </a:p>
+          </p:txBody>
+        </p:sp>
+        <p:sp>
+          <p:nvSpPr>
+            <p:cNvPr id="46" name="矩形: 圆角 45">
+              <a:extLst>
+                <a:ext uri="{FF2B5EF4-FFF2-40B4-BE49-F238E27FC236}">
+                  <a16:creationId xmlns:a16="http://schemas.microsoft.com/office/drawing/2014/main" id="{7EFE950B-CB57-4C8E-B246-307F8431CDA0}"/>
+                </a:ext>
+              </a:extLst>
+            </p:cNvPr>
+            <p:cNvSpPr/>
+            <p:nvPr/>
+          </p:nvSpPr>
+          <p:spPr>
+            <a:xfrm>
+              <a:off x="1335110" y="4784114"/>
+              <a:ext cx="3719897" cy="377781"/>
+            </a:xfrm>
+            <a:prstGeom prst="roundRect">
+              <a:avLst/>
+            </a:prstGeom>
+            <a:solidFill>
+              <a:schemeClr val="accent1">
+                <a:lumMod val="50000"/>
+              </a:schemeClr>
+            </a:solidFill>
+          </p:spPr>
+          <p:style>
+            <a:lnRef idx="2">
+              <a:schemeClr val="accent1">
+                <a:shade val="50000"/>
+              </a:schemeClr>
+            </a:lnRef>
+            <a:fillRef idx="1">
+              <a:schemeClr val="accent1"/>
+            </a:fillRef>
+            <a:effectRef idx="0">
+              <a:schemeClr val="accent1"/>
+            </a:effectRef>
+            <a:fontRef idx="minor">
+              <a:schemeClr val="lt1"/>
+            </a:fontRef>
+          </p:style>
+          <p:txBody>
+            <a:bodyPr rtlCol="0" anchor="ctr"/>
+            <a:lstStyle/>
+            <a:p>
+              <a:pPr algn="ctr"/>
+              <a:r>
+                <a:rPr lang="zh-CN" altLang="en-US" sz="1200" dirty="0">
+                  <a:latin typeface="微软雅黑 Light" panose="020B0502040204020203" pitchFamily="34" charset="-122"/>
+                  <a:ea typeface="微软雅黑 Light" panose="020B0502040204020203" pitchFamily="34" charset="-122"/>
+                </a:rPr>
+                <a:t>总控系统</a:t>
+              </a:r>
+            </a:p>
+          </p:txBody>
+        </p:sp>
+        <p:sp>
+          <p:nvSpPr>
+            <p:cNvPr id="48" name="矩形: 圆角 47">
+              <a:extLst>
+                <a:ext uri="{FF2B5EF4-FFF2-40B4-BE49-F238E27FC236}">
+                  <a16:creationId xmlns:a16="http://schemas.microsoft.com/office/drawing/2014/main" id="{65086899-FCE6-4EBA-BC02-05A4FED3EF3B}"/>
+                </a:ext>
+              </a:extLst>
+            </p:cNvPr>
+            <p:cNvSpPr/>
+            <p:nvPr/>
+          </p:nvSpPr>
+          <p:spPr>
+            <a:xfrm>
+              <a:off x="9359611" y="4791035"/>
+              <a:ext cx="1137634" cy="377781"/>
+            </a:xfrm>
+            <a:prstGeom prst="roundRect">
+              <a:avLst/>
+            </a:prstGeom>
+            <a:solidFill>
+              <a:schemeClr val="accent1">
+                <a:lumMod val="50000"/>
+              </a:schemeClr>
+            </a:solidFill>
+          </p:spPr>
+          <p:style>
+            <a:lnRef idx="2">
+              <a:schemeClr val="accent1">
+                <a:shade val="50000"/>
+              </a:schemeClr>
+            </a:lnRef>
+            <a:fillRef idx="1">
+              <a:schemeClr val="accent1"/>
+            </a:fillRef>
+            <a:effectRef idx="0">
+              <a:schemeClr val="accent1"/>
+            </a:effectRef>
+            <a:fontRef idx="minor">
+              <a:schemeClr val="lt1"/>
+            </a:fontRef>
+          </p:style>
+          <p:txBody>
+            <a:bodyPr rtlCol="0" anchor="ctr"/>
+            <a:lstStyle/>
+            <a:p>
+              <a:pPr algn="ctr"/>
+              <a:r>
+                <a:rPr lang="zh-CN" altLang="en-US" sz="1200" dirty="0">
+                  <a:latin typeface="微软雅黑 Light" panose="020B0502040204020203" pitchFamily="34" charset="-122"/>
+                  <a:ea typeface="微软雅黑 Light" panose="020B0502040204020203" pitchFamily="34" charset="-122"/>
+                </a:rPr>
+                <a:t>数据库</a:t>
+              </a:r>
+            </a:p>
+          </p:txBody>
+        </p:sp>
+        <p:sp>
+          <p:nvSpPr>
+            <p:cNvPr id="49" name="箭头: 上下 48">
+              <a:extLst>
+                <a:ext uri="{FF2B5EF4-FFF2-40B4-BE49-F238E27FC236}">
+                  <a16:creationId xmlns:a16="http://schemas.microsoft.com/office/drawing/2014/main" id="{6D5A1BCD-A42C-4435-A780-B9560CDF0C3C}"/>
+                </a:ext>
+              </a:extLst>
+            </p:cNvPr>
+            <p:cNvSpPr/>
+            <p:nvPr/>
+          </p:nvSpPr>
+          <p:spPr>
+            <a:xfrm>
+              <a:off x="2921166" y="3831082"/>
+              <a:ext cx="218364" cy="940161"/>
+            </a:xfrm>
+            <a:prstGeom prst="upDownArrow">
+              <a:avLst/>
+            </a:prstGeom>
+            <a:solidFill>
+              <a:schemeClr val="accent5">
+                <a:lumMod val="20000"/>
+                <a:lumOff val="80000"/>
+              </a:schemeClr>
+            </a:solidFill>
+          </p:spPr>
+          <p:style>
+            <a:lnRef idx="2">
+              <a:schemeClr val="accent1">
+                <a:shade val="50000"/>
+              </a:schemeClr>
+            </a:lnRef>
+            <a:fillRef idx="1">
+              <a:schemeClr val="accent1"/>
+            </a:fillRef>
+            <a:effectRef idx="0">
+              <a:schemeClr val="accent1"/>
+            </a:effectRef>
+            <a:fontRef idx="minor">
+              <a:schemeClr val="lt1"/>
+            </a:fontRef>
+          </p:style>
+          <p:txBody>
+            <a:bodyPr rot="0" spcFirstLastPara="0" vertOverflow="overflow" horzOverflow="overflow" vert="horz" wrap="square" lIns="91440" tIns="45720" rIns="91440" bIns="45720" numCol="1" spcCol="0" rtlCol="0" fromWordArt="0" anchor="ctr" anchorCtr="0" forceAA="0" compatLnSpc="1">
+              <a:prstTxWarp prst="textNoShape">
+                <a:avLst/>
+              </a:prstTxWarp>
+              <a:noAutofit/>
+            </a:bodyPr>
+            <a:lstStyle/>
+            <a:p>
+              <a:pPr algn="ctr"/>
+              <a:endParaRPr lang="zh-CN" altLang="en-US"/>
+            </a:p>
+          </p:txBody>
+        </p:sp>
+        <p:sp>
+          <p:nvSpPr>
+            <p:cNvPr id="51" name="箭头: 上下 50">
+              <a:extLst>
+                <a:ext uri="{FF2B5EF4-FFF2-40B4-BE49-F238E27FC236}">
+                  <a16:creationId xmlns:a16="http://schemas.microsoft.com/office/drawing/2014/main" id="{C5155FF3-251D-4901-9392-E2239F185F68}"/>
+                </a:ext>
+              </a:extLst>
+            </p:cNvPr>
+            <p:cNvSpPr/>
+            <p:nvPr/>
+          </p:nvSpPr>
+          <p:spPr>
+            <a:xfrm>
+              <a:off x="9835333" y="3843953"/>
+              <a:ext cx="218364" cy="940161"/>
+            </a:xfrm>
+            <a:prstGeom prst="upDownArrow">
+              <a:avLst/>
+            </a:prstGeom>
+            <a:solidFill>
+              <a:schemeClr val="accent5">
+                <a:lumMod val="20000"/>
+                <a:lumOff val="80000"/>
+              </a:schemeClr>
+            </a:solidFill>
+          </p:spPr>
+          <p:style>
+            <a:lnRef idx="2">
+              <a:schemeClr val="accent1">
+                <a:shade val="50000"/>
+              </a:schemeClr>
+            </a:lnRef>
+            <a:fillRef idx="1">
+              <a:schemeClr val="accent1"/>
+            </a:fillRef>
+            <a:effectRef idx="0">
+              <a:schemeClr val="accent1"/>
+            </a:effectRef>
+            <a:fontRef idx="minor">
+              <a:schemeClr val="lt1"/>
+            </a:fontRef>
+          </p:style>
+          <p:txBody>
+            <a:bodyPr rot="0" spcFirstLastPara="0" vertOverflow="overflow" horzOverflow="overflow" vert="horz" wrap="square" lIns="91440" tIns="45720" rIns="91440" bIns="45720" numCol="1" spcCol="0" rtlCol="0" fromWordArt="0" anchor="ctr" anchorCtr="0" forceAA="0" compatLnSpc="1">
+              <a:prstTxWarp prst="textNoShape">
+                <a:avLst/>
+              </a:prstTxWarp>
+              <a:noAutofit/>
+            </a:bodyPr>
+            <a:lstStyle/>
+            <a:p>
+              <a:pPr algn="ctr"/>
+              <a:endParaRPr lang="zh-CN" altLang="en-US"/>
+            </a:p>
+          </p:txBody>
+        </p:sp>
+      </p:grpSp>
+      <p:sp>
+        <p:nvSpPr>
+          <p:cNvPr id="53" name="矩形: 圆角 52">
+            <a:extLst>
+              <a:ext uri="{FF2B5EF4-FFF2-40B4-BE49-F238E27FC236}">
+                <a16:creationId xmlns:a16="http://schemas.microsoft.com/office/drawing/2014/main" id="{DED6B484-1322-4ABC-A514-7F86645DC88C}"/>
+              </a:ext>
+            </a:extLst>
+          </p:cNvPr>
+          <p:cNvSpPr/>
+          <p:nvPr/>
+        </p:nvSpPr>
+        <p:spPr>
+          <a:xfrm>
+            <a:off x="1541781" y="825273"/>
+            <a:ext cx="8631487" cy="377781"/>
+          </a:xfrm>
+          <a:prstGeom prst="roundRect">
+            <a:avLst/>
+          </a:prstGeom>
+          <a:solidFill>
+            <a:schemeClr val="accent1">
+              <a:lumMod val="50000"/>
+            </a:schemeClr>
+          </a:solidFill>
+        </p:spPr>
+        <p:style>
+          <a:lnRef idx="2">
+            <a:schemeClr val="accent1">
+              <a:shade val="50000"/>
+            </a:schemeClr>
+          </a:lnRef>
+          <a:fillRef idx="1">
+            <a:schemeClr val="accent1"/>
+          </a:fillRef>
+          <a:effectRef idx="0">
+            <a:schemeClr val="accent1"/>
+          </a:effectRef>
+          <a:fontRef idx="minor">
+            <a:schemeClr val="lt1"/>
+          </a:fontRef>
+        </p:style>
+        <p:txBody>
+          <a:bodyPr rtlCol="0" anchor="ctr"/>
+          <a:lstStyle/>
+          <a:p>
+            <a:pPr algn="ctr"/>
+            <a:r>
+              <a:rPr lang="zh-CN" altLang="en-US" sz="1200" dirty="0">
+                <a:latin typeface="微软雅黑 Light" panose="020B0502040204020203" pitchFamily="34" charset="-122"/>
+                <a:ea typeface="微软雅黑 Light" panose="020B0502040204020203" pitchFamily="34" charset="-122"/>
+              </a:rPr>
+              <a:t>辐射防护数据集成与监控系统控制工位软件</a:t>
+            </a:r>
+          </a:p>
+        </p:txBody>
+      </p:sp>
+      <p:sp>
+        <p:nvSpPr>
+          <p:cNvPr id="54" name="箭头: 上下 53">
+            <a:extLst>
+              <a:ext uri="{FF2B5EF4-FFF2-40B4-BE49-F238E27FC236}">
+                <a16:creationId xmlns:a16="http://schemas.microsoft.com/office/drawing/2014/main" id="{0B4C2276-87FD-4664-AF3E-2E5131B3D6C7}"/>
+              </a:ext>
+            </a:extLst>
+          </p:cNvPr>
+          <p:cNvSpPr/>
+          <p:nvPr/>
+        </p:nvSpPr>
+        <p:spPr>
+          <a:xfrm>
+            <a:off x="5512026" y="1204430"/>
+            <a:ext cx="218364" cy="433301"/>
+          </a:xfrm>
+          <a:prstGeom prst="upDownArrow">
+            <a:avLst/>
+          </a:prstGeom>
+          <a:solidFill>
+            <a:schemeClr val="accent5">
+              <a:lumMod val="20000"/>
+              <a:lumOff val="80000"/>
+            </a:schemeClr>
+          </a:solidFill>
+        </p:spPr>
+        <p:style>
+          <a:lnRef idx="2">
+            <a:schemeClr val="accent1">
+              <a:shade val="50000"/>
+            </a:schemeClr>
+          </a:lnRef>
+          <a:fillRef idx="1">
+            <a:schemeClr val="accent1"/>
+          </a:fillRef>
+          <a:effectRef idx="0">
+            <a:schemeClr val="accent1"/>
+          </a:effectRef>
+          <a:fontRef idx="minor">
+            <a:schemeClr val="lt1"/>
+          </a:fontRef>
+        </p:style>
+        <p:txBody>
+          <a:bodyPr rot="0" spcFirstLastPara="0" vertOverflow="overflow" horzOverflow="overflow" vert="horz" wrap="square" lIns="91440" tIns="45720" rIns="91440" bIns="45720" numCol="1" spcCol="0" rtlCol="0" fromWordArt="0" anchor="ctr" anchorCtr="0" forceAA="0" compatLnSpc="1">
+            <a:prstTxWarp prst="textNoShape">
+              <a:avLst/>
+            </a:prstTxWarp>
+            <a:noAutofit/>
+          </a:bodyPr>
+          <a:lstStyle/>
+          <a:p>
+            <a:pPr algn="ctr"/>
+            <a:endParaRPr lang="zh-CN" altLang="en-US"/>
+          </a:p>
+        </p:txBody>
+      </p:sp>
+      <p:sp>
+        <p:nvSpPr>
+          <p:cNvPr id="25" name="矩形: 圆角 24">
+            <a:extLst>
+              <a:ext uri="{FF2B5EF4-FFF2-40B4-BE49-F238E27FC236}">
+                <a16:creationId xmlns:a16="http://schemas.microsoft.com/office/drawing/2014/main" id="{5B13AB4F-F5F6-4907-B80D-DDF031DAF03F}"/>
+              </a:ext>
+            </a:extLst>
+          </p:cNvPr>
+          <p:cNvSpPr/>
+          <p:nvPr/>
+        </p:nvSpPr>
+        <p:spPr>
+          <a:xfrm>
+            <a:off x="5277046" y="4791034"/>
+            <a:ext cx="3719897" cy="377781"/>
+          </a:xfrm>
+          <a:prstGeom prst="roundRect">
+            <a:avLst/>
+          </a:prstGeom>
+          <a:solidFill>
+            <a:schemeClr val="accent1">
+              <a:lumMod val="50000"/>
+            </a:schemeClr>
+          </a:solidFill>
+        </p:spPr>
+        <p:style>
+          <a:lnRef idx="2">
+            <a:schemeClr val="accent1">
+              <a:shade val="50000"/>
+            </a:schemeClr>
+          </a:lnRef>
+          <a:fillRef idx="1">
+            <a:schemeClr val="accent1"/>
+          </a:fillRef>
+          <a:effectRef idx="0">
+            <a:schemeClr val="accent1"/>
+          </a:effectRef>
+          <a:fontRef idx="minor">
+            <a:schemeClr val="lt1"/>
+          </a:fontRef>
+        </p:style>
+        <p:txBody>
+          <a:bodyPr rtlCol="0" anchor="ctr"/>
+          <a:lstStyle/>
+          <a:p>
+            <a:pPr algn="ctr"/>
+            <a:r>
+              <a:rPr lang="zh-CN" altLang="en-US" sz="1200" dirty="0">
+                <a:latin typeface="微软雅黑 Light" panose="020B0502040204020203" pitchFamily="34" charset="-122"/>
+                <a:ea typeface="微软雅黑 Light" panose="020B0502040204020203" pitchFamily="34" charset="-122"/>
+              </a:rPr>
+              <a:t>组件</a:t>
+            </a:r>
+          </a:p>
+        </p:txBody>
+      </p:sp>
+      <p:sp>
+        <p:nvSpPr>
+          <p:cNvPr id="26" name="箭头: 上下 25">
+            <a:extLst>
+              <a:ext uri="{FF2B5EF4-FFF2-40B4-BE49-F238E27FC236}">
+                <a16:creationId xmlns:a16="http://schemas.microsoft.com/office/drawing/2014/main" id="{BB1093BA-0266-4241-91F1-5F3FCE493C40}"/>
+              </a:ext>
+            </a:extLst>
+          </p:cNvPr>
+          <p:cNvSpPr/>
+          <p:nvPr/>
+        </p:nvSpPr>
+        <p:spPr>
+          <a:xfrm>
+            <a:off x="6798746" y="3837501"/>
+            <a:ext cx="218364" cy="940161"/>
+          </a:xfrm>
+          <a:prstGeom prst="upDownArrow">
+            <a:avLst/>
+          </a:prstGeom>
+          <a:solidFill>
+            <a:schemeClr val="accent5">
+              <a:lumMod val="20000"/>
+              <a:lumOff val="80000"/>
+            </a:schemeClr>
+          </a:solidFill>
+        </p:spPr>
+        <p:style>
+          <a:lnRef idx="2">
+            <a:schemeClr val="accent1">
+              <a:shade val="50000"/>
+            </a:schemeClr>
+          </a:lnRef>
+          <a:fillRef idx="1">
+            <a:schemeClr val="accent1"/>
+          </a:fillRef>
+          <a:effectRef idx="0">
+            <a:schemeClr val="accent1"/>
+          </a:effectRef>
+          <a:fontRef idx="minor">
+            <a:schemeClr val="lt1"/>
+          </a:fontRef>
+        </p:style>
+        <p:txBody>
+          <a:bodyPr rot="0" spcFirstLastPara="0" vertOverflow="overflow" horzOverflow="overflow" vert="horz" wrap="square" lIns="91440" tIns="45720" rIns="91440" bIns="45720" numCol="1" spcCol="0" rtlCol="0" fromWordArt="0" anchor="ctr" anchorCtr="0" forceAA="0" compatLnSpc="1">
+            <a:prstTxWarp prst="textNoShape">
+              <a:avLst/>
+            </a:prstTxWarp>
+            <a:noAutofit/>
+          </a:bodyPr>
+          <a:lstStyle/>
+          <a:p>
+            <a:pPr algn="ctr"/>
+            <a:endParaRPr lang="zh-CN" altLang="en-US"/>
+          </a:p>
+        </p:txBody>
+      </p:sp>
+    </p:spTree>
+    <p:extLst>
+      <p:ext uri="{BB962C8B-B14F-4D97-AF65-F5344CB8AC3E}">
+        <p14:creationId xmlns:p14="http://schemas.microsoft.com/office/powerpoint/2010/main" val="2170115051"/>
+      </p:ext>
+    </p:extLst>
+  </p:cSld>
+  <p:clrMapOvr>
+    <a:masterClrMapping/>
+  </p:clrMapOvr>
+</p:sld>
+</file>
+
 <file path=ppt/theme/theme1.xml><?xml version="1.0" encoding="utf-8"?>
 <a:theme xmlns:a="http://schemas.openxmlformats.org/drawingml/2006/main" name="Office 主题​​">
   <a:themeElements>

--- a/项目文档/设计/Design.pptx
+++ b/项目文档/设计/Design.pptx
@@ -260,7 +260,7 @@
           <a:p>
             <a:fld id="{3FF71A42-F1B8-48E3-A6F9-3B91A5B13CBC}" type="datetimeFigureOut">
               <a:rPr lang="zh-CN" altLang="en-US" smtClean="0"/>
-              <a:t>2019/10/23</a:t>
+              <a:t>2019/11/5</a:t>
             </a:fld>
             <a:endParaRPr lang="zh-CN" altLang="en-US"/>
           </a:p>
@@ -458,7 +458,7 @@
           <a:p>
             <a:fld id="{3FF71A42-F1B8-48E3-A6F9-3B91A5B13CBC}" type="datetimeFigureOut">
               <a:rPr lang="zh-CN" altLang="en-US" smtClean="0"/>
-              <a:t>2019/10/23</a:t>
+              <a:t>2019/11/5</a:t>
             </a:fld>
             <a:endParaRPr lang="zh-CN" altLang="en-US"/>
           </a:p>
@@ -666,7 +666,7 @@
           <a:p>
             <a:fld id="{3FF71A42-F1B8-48E3-A6F9-3B91A5B13CBC}" type="datetimeFigureOut">
               <a:rPr lang="zh-CN" altLang="en-US" smtClean="0"/>
-              <a:t>2019/10/23</a:t>
+              <a:t>2019/11/5</a:t>
             </a:fld>
             <a:endParaRPr lang="zh-CN" altLang="en-US"/>
           </a:p>
@@ -864,7 +864,7 @@
           <a:p>
             <a:fld id="{3FF71A42-F1B8-48E3-A6F9-3B91A5B13CBC}" type="datetimeFigureOut">
               <a:rPr lang="zh-CN" altLang="en-US" smtClean="0"/>
-              <a:t>2019/10/23</a:t>
+              <a:t>2019/11/5</a:t>
             </a:fld>
             <a:endParaRPr lang="zh-CN" altLang="en-US"/>
           </a:p>
@@ -1139,7 +1139,7 @@
           <a:p>
             <a:fld id="{3FF71A42-F1B8-48E3-A6F9-3B91A5B13CBC}" type="datetimeFigureOut">
               <a:rPr lang="zh-CN" altLang="en-US" smtClean="0"/>
-              <a:t>2019/10/23</a:t>
+              <a:t>2019/11/5</a:t>
             </a:fld>
             <a:endParaRPr lang="zh-CN" altLang="en-US"/>
           </a:p>
@@ -1404,7 +1404,7 @@
           <a:p>
             <a:fld id="{3FF71A42-F1B8-48E3-A6F9-3B91A5B13CBC}" type="datetimeFigureOut">
               <a:rPr lang="zh-CN" altLang="en-US" smtClean="0"/>
-              <a:t>2019/10/23</a:t>
+              <a:t>2019/11/5</a:t>
             </a:fld>
             <a:endParaRPr lang="zh-CN" altLang="en-US"/>
           </a:p>
@@ -1816,7 +1816,7 @@
           <a:p>
             <a:fld id="{3FF71A42-F1B8-48E3-A6F9-3B91A5B13CBC}" type="datetimeFigureOut">
               <a:rPr lang="zh-CN" altLang="en-US" smtClean="0"/>
-              <a:t>2019/10/23</a:t>
+              <a:t>2019/11/5</a:t>
             </a:fld>
             <a:endParaRPr lang="zh-CN" altLang="en-US"/>
           </a:p>
@@ -1957,7 +1957,7 @@
           <a:p>
             <a:fld id="{3FF71A42-F1B8-48E3-A6F9-3B91A5B13CBC}" type="datetimeFigureOut">
               <a:rPr lang="zh-CN" altLang="en-US" smtClean="0"/>
-              <a:t>2019/10/23</a:t>
+              <a:t>2019/11/5</a:t>
             </a:fld>
             <a:endParaRPr lang="zh-CN" altLang="en-US"/>
           </a:p>
@@ -2070,7 +2070,7 @@
           <a:p>
             <a:fld id="{3FF71A42-F1B8-48E3-A6F9-3B91A5B13CBC}" type="datetimeFigureOut">
               <a:rPr lang="zh-CN" altLang="en-US" smtClean="0"/>
-              <a:t>2019/10/23</a:t>
+              <a:t>2019/11/5</a:t>
             </a:fld>
             <a:endParaRPr lang="zh-CN" altLang="en-US"/>
           </a:p>
@@ -2381,7 +2381,7 @@
           <a:p>
             <a:fld id="{3FF71A42-F1B8-48E3-A6F9-3B91A5B13CBC}" type="datetimeFigureOut">
               <a:rPr lang="zh-CN" altLang="en-US" smtClean="0"/>
-              <a:t>2019/10/23</a:t>
+              <a:t>2019/11/5</a:t>
             </a:fld>
             <a:endParaRPr lang="zh-CN" altLang="en-US"/>
           </a:p>
@@ -2669,7 +2669,7 @@
           <a:p>
             <a:fld id="{3FF71A42-F1B8-48E3-A6F9-3B91A5B13CBC}" type="datetimeFigureOut">
               <a:rPr lang="zh-CN" altLang="en-US" smtClean="0"/>
-              <a:t>2019/10/23</a:t>
+              <a:t>2019/11/5</a:t>
             </a:fld>
             <a:endParaRPr lang="zh-CN" altLang="en-US"/>
           </a:p>
@@ -2910,7 +2910,7 @@
           <a:p>
             <a:fld id="{3FF71A42-F1B8-48E3-A6F9-3B91A5B13CBC}" type="datetimeFigureOut">
               <a:rPr lang="zh-CN" altLang="en-US" smtClean="0"/>
-              <a:t>2019/10/23</a:t>
+              <a:t>2019/11/5</a:t>
             </a:fld>
             <a:endParaRPr lang="zh-CN" altLang="en-US"/>
           </a:p>
@@ -5555,7 +5555,7 @@
                   <a:latin typeface="微软雅黑 Light" panose="020B0502040204020203" pitchFamily="34" charset="-122"/>
                   <a:ea typeface="微软雅黑 Light" panose="020B0502040204020203" pitchFamily="34" charset="-122"/>
                 </a:rPr>
-                <a:t>辐射防护数据集成与监控系统后台服务</a:t>
+                <a:t>辐射防护数据集成与监控系统服务软件</a:t>
               </a:r>
             </a:p>
           </p:txBody>
@@ -7111,7 +7111,7 @@
                 <a:latin typeface="微软雅黑 Light" panose="020B0502040204020203" pitchFamily="34" charset="-122"/>
                 <a:ea typeface="微软雅黑 Light" panose="020B0502040204020203" pitchFamily="34" charset="-122"/>
               </a:rPr>
-              <a:t>辐射防护数据集成与监控系统控制工位软件</a:t>
+              <a:t>辐射防护数据集成与监控系统集中控制软件</a:t>
             </a:r>
           </a:p>
         </p:txBody>

--- a/项目文档/设计/Design.pptx
+++ b/项目文档/设计/Design.pptx
@@ -260,7 +260,7 @@
           <a:p>
             <a:fld id="{3FF71A42-F1B8-48E3-A6F9-3B91A5B13CBC}" type="datetimeFigureOut">
               <a:rPr lang="zh-CN" altLang="en-US" smtClean="0"/>
-              <a:t>2019/11/5</a:t>
+              <a:t>2019/11/21</a:t>
             </a:fld>
             <a:endParaRPr lang="zh-CN" altLang="en-US"/>
           </a:p>
@@ -458,7 +458,7 @@
           <a:p>
             <a:fld id="{3FF71A42-F1B8-48E3-A6F9-3B91A5B13CBC}" type="datetimeFigureOut">
               <a:rPr lang="zh-CN" altLang="en-US" smtClean="0"/>
-              <a:t>2019/11/5</a:t>
+              <a:t>2019/11/21</a:t>
             </a:fld>
             <a:endParaRPr lang="zh-CN" altLang="en-US"/>
           </a:p>
@@ -666,7 +666,7 @@
           <a:p>
             <a:fld id="{3FF71A42-F1B8-48E3-A6F9-3B91A5B13CBC}" type="datetimeFigureOut">
               <a:rPr lang="zh-CN" altLang="en-US" smtClean="0"/>
-              <a:t>2019/11/5</a:t>
+              <a:t>2019/11/21</a:t>
             </a:fld>
             <a:endParaRPr lang="zh-CN" altLang="en-US"/>
           </a:p>
@@ -864,7 +864,7 @@
           <a:p>
             <a:fld id="{3FF71A42-F1B8-48E3-A6F9-3B91A5B13CBC}" type="datetimeFigureOut">
               <a:rPr lang="zh-CN" altLang="en-US" smtClean="0"/>
-              <a:t>2019/11/5</a:t>
+              <a:t>2019/11/21</a:t>
             </a:fld>
             <a:endParaRPr lang="zh-CN" altLang="en-US"/>
           </a:p>
@@ -1139,7 +1139,7 @@
           <a:p>
             <a:fld id="{3FF71A42-F1B8-48E3-A6F9-3B91A5B13CBC}" type="datetimeFigureOut">
               <a:rPr lang="zh-CN" altLang="en-US" smtClean="0"/>
-              <a:t>2019/11/5</a:t>
+              <a:t>2019/11/21</a:t>
             </a:fld>
             <a:endParaRPr lang="zh-CN" altLang="en-US"/>
           </a:p>
@@ -1404,7 +1404,7 @@
           <a:p>
             <a:fld id="{3FF71A42-F1B8-48E3-A6F9-3B91A5B13CBC}" type="datetimeFigureOut">
               <a:rPr lang="zh-CN" altLang="en-US" smtClean="0"/>
-              <a:t>2019/11/5</a:t>
+              <a:t>2019/11/21</a:t>
             </a:fld>
             <a:endParaRPr lang="zh-CN" altLang="en-US"/>
           </a:p>
@@ -1816,7 +1816,7 @@
           <a:p>
             <a:fld id="{3FF71A42-F1B8-48E3-A6F9-3B91A5B13CBC}" type="datetimeFigureOut">
               <a:rPr lang="zh-CN" altLang="en-US" smtClean="0"/>
-              <a:t>2019/11/5</a:t>
+              <a:t>2019/11/21</a:t>
             </a:fld>
             <a:endParaRPr lang="zh-CN" altLang="en-US"/>
           </a:p>
@@ -1957,7 +1957,7 @@
           <a:p>
             <a:fld id="{3FF71A42-F1B8-48E3-A6F9-3B91A5B13CBC}" type="datetimeFigureOut">
               <a:rPr lang="zh-CN" altLang="en-US" smtClean="0"/>
-              <a:t>2019/11/5</a:t>
+              <a:t>2019/11/21</a:t>
             </a:fld>
             <a:endParaRPr lang="zh-CN" altLang="en-US"/>
           </a:p>
@@ -2070,7 +2070,7 @@
           <a:p>
             <a:fld id="{3FF71A42-F1B8-48E3-A6F9-3B91A5B13CBC}" type="datetimeFigureOut">
               <a:rPr lang="zh-CN" altLang="en-US" smtClean="0"/>
-              <a:t>2019/11/5</a:t>
+              <a:t>2019/11/21</a:t>
             </a:fld>
             <a:endParaRPr lang="zh-CN" altLang="en-US"/>
           </a:p>
@@ -2381,7 +2381,7 @@
           <a:p>
             <a:fld id="{3FF71A42-F1B8-48E3-A6F9-3B91A5B13CBC}" type="datetimeFigureOut">
               <a:rPr lang="zh-CN" altLang="en-US" smtClean="0"/>
-              <a:t>2019/11/5</a:t>
+              <a:t>2019/11/21</a:t>
             </a:fld>
             <a:endParaRPr lang="zh-CN" altLang="en-US"/>
           </a:p>
@@ -2669,7 +2669,7 @@
           <a:p>
             <a:fld id="{3FF71A42-F1B8-48E3-A6F9-3B91A5B13CBC}" type="datetimeFigureOut">
               <a:rPr lang="zh-CN" altLang="en-US" smtClean="0"/>
-              <a:t>2019/11/5</a:t>
+              <a:t>2019/11/21</a:t>
             </a:fld>
             <a:endParaRPr lang="zh-CN" altLang="en-US"/>
           </a:p>
@@ -2910,7 +2910,7 @@
           <a:p>
             <a:fld id="{3FF71A42-F1B8-48E3-A6F9-3B91A5B13CBC}" type="datetimeFigureOut">
               <a:rPr lang="zh-CN" altLang="en-US" smtClean="0"/>
-              <a:t>2019/11/5</a:t>
+              <a:t>2019/11/21</a:t>
             </a:fld>
             <a:endParaRPr lang="zh-CN" altLang="en-US"/>
           </a:p>
@@ -5910,7 +5910,7 @@
           </p:nvSpPr>
           <p:spPr>
             <a:xfrm>
-              <a:off x="1116169" y="2837075"/>
+              <a:off x="1116169" y="2843997"/>
               <a:ext cx="9577590" cy="1201003"/>
             </a:xfrm>
             <a:prstGeom prst="rect">
@@ -6202,7 +6202,7 @@
           </p:nvSpPr>
           <p:spPr>
             <a:xfrm>
-              <a:off x="7961593" y="2155066"/>
+              <a:off x="8124952" y="2146480"/>
               <a:ext cx="1137634" cy="377781"/>
             </a:xfrm>
             <a:prstGeom prst="roundRect">
@@ -6260,8 +6260,8 @@
           </p:nvSpPr>
           <p:spPr>
             <a:xfrm>
-              <a:off x="5730390" y="2155066"/>
-              <a:ext cx="2051971" cy="377781"/>
+              <a:off x="5686814" y="2155066"/>
+              <a:ext cx="1137635" cy="377781"/>
             </a:xfrm>
             <a:prstGeom prst="roundRect">
               <a:avLst/>
@@ -6673,7 +6673,7 @@
           </p:nvSpPr>
           <p:spPr>
             <a:xfrm>
-              <a:off x="6689348" y="2530416"/>
+              <a:off x="6120935" y="2531182"/>
               <a:ext cx="218364" cy="940161"/>
             </a:xfrm>
             <a:prstGeom prst="upDownArrow">
@@ -6730,7 +6730,7 @@
           </p:nvSpPr>
           <p:spPr>
             <a:xfrm>
-              <a:off x="8487561" y="2530416"/>
+              <a:off x="8642271" y="2532847"/>
               <a:ext cx="218364" cy="940161"/>
             </a:xfrm>
             <a:prstGeom prst="upDownArrow">
@@ -7245,6 +7245,121 @@
         <p:spPr>
           <a:xfrm>
             <a:off x="6798746" y="3837501"/>
+            <a:ext cx="218364" cy="940161"/>
+          </a:xfrm>
+          <a:prstGeom prst="upDownArrow">
+            <a:avLst/>
+          </a:prstGeom>
+          <a:solidFill>
+            <a:schemeClr val="accent5">
+              <a:lumMod val="20000"/>
+              <a:lumOff val="80000"/>
+            </a:schemeClr>
+          </a:solidFill>
+        </p:spPr>
+        <p:style>
+          <a:lnRef idx="2">
+            <a:schemeClr val="accent1">
+              <a:shade val="50000"/>
+            </a:schemeClr>
+          </a:lnRef>
+          <a:fillRef idx="1">
+            <a:schemeClr val="accent1"/>
+          </a:fillRef>
+          <a:effectRef idx="0">
+            <a:schemeClr val="accent1"/>
+          </a:effectRef>
+          <a:fontRef idx="minor">
+            <a:schemeClr val="lt1"/>
+          </a:fontRef>
+        </p:style>
+        <p:txBody>
+          <a:bodyPr rot="0" spcFirstLastPara="0" vertOverflow="overflow" horzOverflow="overflow" vert="horz" wrap="square" lIns="91440" tIns="45720" rIns="91440" bIns="45720" numCol="1" spcCol="0" rtlCol="0" fromWordArt="0" anchor="ctr" anchorCtr="0" forceAA="0" compatLnSpc="1">
+            <a:prstTxWarp prst="textNoShape">
+              <a:avLst/>
+            </a:prstTxWarp>
+            <a:noAutofit/>
+          </a:bodyPr>
+          <a:lstStyle/>
+          <a:p>
+            <a:pPr algn="ctr"/>
+            <a:endParaRPr lang="zh-CN" altLang="en-US"/>
+          </a:p>
+        </p:txBody>
+      </p:sp>
+      <p:sp>
+        <p:nvSpPr>
+          <p:cNvPr id="27" name="矩形: 圆角 26">
+            <a:extLst>
+              <a:ext uri="{FF2B5EF4-FFF2-40B4-BE49-F238E27FC236}">
+                <a16:creationId xmlns:a16="http://schemas.microsoft.com/office/drawing/2014/main" id="{E808E5B0-EDBE-4F28-A364-EE131482E32F}"/>
+              </a:ext>
+            </a:extLst>
+          </p:cNvPr>
+          <p:cNvSpPr/>
+          <p:nvPr/>
+        </p:nvSpPr>
+        <p:spPr>
+          <a:xfrm>
+            <a:off x="6921015" y="2153401"/>
+            <a:ext cx="1137635" cy="377781"/>
+          </a:xfrm>
+          <a:prstGeom prst="roundRect">
+            <a:avLst/>
+          </a:prstGeom>
+          <a:solidFill>
+            <a:schemeClr val="accent2">
+              <a:lumMod val="60000"/>
+              <a:lumOff val="40000"/>
+            </a:schemeClr>
+          </a:solidFill>
+        </p:spPr>
+        <p:style>
+          <a:lnRef idx="2">
+            <a:schemeClr val="accent1">
+              <a:shade val="50000"/>
+            </a:schemeClr>
+          </a:lnRef>
+          <a:fillRef idx="1">
+            <a:schemeClr val="accent1"/>
+          </a:fillRef>
+          <a:effectRef idx="0">
+            <a:schemeClr val="accent1"/>
+          </a:effectRef>
+          <a:fontRef idx="minor">
+            <a:schemeClr val="lt1"/>
+          </a:fontRef>
+        </p:style>
+        <p:txBody>
+          <a:bodyPr rtlCol="0" anchor="ctr"/>
+          <a:lstStyle/>
+          <a:p>
+            <a:pPr algn="ctr"/>
+            <a:r>
+              <a:rPr lang="zh-CN" altLang="en-US" sz="1200" dirty="0">
+                <a:latin typeface="微软雅黑 Light" panose="020B0502040204020203" pitchFamily="34" charset="-122"/>
+                <a:ea typeface="微软雅黑 Light" panose="020B0502040204020203" pitchFamily="34" charset="-122"/>
+              </a:rPr>
+              <a:t>故障转发模块</a:t>
+            </a:r>
+          </a:p>
+        </p:txBody>
+      </p:sp>
+      <p:sp>
+        <p:nvSpPr>
+          <p:cNvPr id="28" name="箭头: 上下 27">
+            <a:extLst>
+              <a:ext uri="{FF2B5EF4-FFF2-40B4-BE49-F238E27FC236}">
+                <a16:creationId xmlns:a16="http://schemas.microsoft.com/office/drawing/2014/main" id="{A23E2F91-4EE5-47C5-9212-E4C7AA0D6F3B}"/>
+              </a:ext>
+            </a:extLst>
+          </p:cNvPr>
+          <p:cNvSpPr/>
+          <p:nvPr/>
+        </p:nvSpPr>
+        <p:spPr>
+          <a:xfrm>
+            <a:off x="7391173" y="2524260"/>
             <a:ext cx="218364" cy="940161"/>
           </a:xfrm>
           <a:prstGeom prst="upDownArrow">
